--- a/R/Results/TJHcombined.pptx
+++ b/R/Results/TJHcombined.pptx
@@ -7537,7 +7537,6 @@
               <a:rPr lang="en-US" dirty="0"/>
               <a:t> </a:t>
             </a:r>
-            <a:endParaRPr lang="en-US" dirty="0"/>
           </a:p>
         </p:txBody>
       </p:sp>
@@ -7696,6 +7695,13 @@
   <p:clrMapOvr>
     <a:masterClrMapping/>
   </p:clrMapOvr>
+  <p:timing>
+    <p:tnLst>
+      <p:par>
+        <p:cTn id="1" dur="indefinite" restart="never" nodeType="tmRoot"/>
+      </p:par>
+    </p:tnLst>
+  </p:timing>
 </p:sld>
 </file>
 
@@ -12149,6 +12155,13 @@
   <p:clrMapOvr>
     <a:masterClrMapping/>
   </p:clrMapOvr>
+  <p:timing>
+    <p:tnLst>
+      <p:par>
+        <p:cTn id="1" dur="indefinite" restart="never" nodeType="tmRoot"/>
+      </p:par>
+    </p:tnLst>
+  </p:timing>
 </p:sld>
 </file>
 
